--- a/ppt 16-9/0159.圣灵在我的心.pptx
+++ b/ppt 16-9/0159.圣灵在我的心.pptx
@@ -5,7 +5,7 @@
     <p:sldMasterId id="2147483648" r:id="rId1"/>
   </p:sldMasterIdLst>
   <p:sldIdLst>
-    <p:sldId id="2758" r:id="rId2"/>
+    <p:sldId id="2760" r:id="rId2"/>
   </p:sldIdLst>
   <p:sldSz cx="12192000" cy="6858000"/>
   <p:notesSz cx="6858000" cy="9144000"/>
@@ -129,7 +129,7 @@
           <p:cNvPr id="2" name="标题 1">
             <a:extLst>
               <a:ext uri="{FF2B5EF4-FFF2-40B4-BE49-F238E27FC236}">
-                <a16:creationId xmlns:a16="http://schemas.microsoft.com/office/drawing/2014/main" id="{6A244234-57CE-7852-DBF1-05655A38E6CE}"/>
+                <a16:creationId xmlns:a16="http://schemas.microsoft.com/office/drawing/2014/main" id="{EEA98B42-82F0-7425-D465-F8C0742FE17A}"/>
               </a:ext>
             </a:extLst>
           </p:cNvPr>
@@ -166,7 +166,7 @@
           <p:cNvPr id="3" name="副标题 2">
             <a:extLst>
               <a:ext uri="{FF2B5EF4-FFF2-40B4-BE49-F238E27FC236}">
-                <a16:creationId xmlns:a16="http://schemas.microsoft.com/office/drawing/2014/main" id="{BF81C704-F0FD-BDD7-B9F9-B473ED66EE71}"/>
+                <a16:creationId xmlns:a16="http://schemas.microsoft.com/office/drawing/2014/main" id="{4FBAB943-32E1-C753-69B7-D6DD8CFA66D1}"/>
               </a:ext>
             </a:extLst>
           </p:cNvPr>
@@ -236,7 +236,7 @@
           <p:cNvPr id="4" name="日期占位符 3">
             <a:extLst>
               <a:ext uri="{FF2B5EF4-FFF2-40B4-BE49-F238E27FC236}">
-                <a16:creationId xmlns:a16="http://schemas.microsoft.com/office/drawing/2014/main" id="{32EAF401-8813-28EB-EF82-4861D4968595}"/>
+                <a16:creationId xmlns:a16="http://schemas.microsoft.com/office/drawing/2014/main" id="{3DBBA2D7-EAD3-4B6A-4D9E-04C50CF4C4FF}"/>
               </a:ext>
             </a:extLst>
           </p:cNvPr>
@@ -252,7 +252,7 @@
           <a:bodyPr/>
           <a:lstStyle/>
           <a:p>
-            <a:fld id="{FDCBF9EE-ED56-40BC-9DCF-8CA047F090FE}" type="datetimeFigureOut">
+            <a:fld id="{CB8D6368-1D44-4E24-8800-CD3F2DD25BA1}" type="datetimeFigureOut">
               <a:rPr lang="zh-CN" altLang="en-US" smtClean="0"/>
               <a:t>2024/3/10</a:t>
             </a:fld>
@@ -265,7 +265,7 @@
           <p:cNvPr id="5" name="页脚占位符 4">
             <a:extLst>
               <a:ext uri="{FF2B5EF4-FFF2-40B4-BE49-F238E27FC236}">
-                <a16:creationId xmlns:a16="http://schemas.microsoft.com/office/drawing/2014/main" id="{2B41ABD2-EF99-D7A1-008B-E4874DE14957}"/>
+                <a16:creationId xmlns:a16="http://schemas.microsoft.com/office/drawing/2014/main" id="{A5FCB7D5-400B-CB79-B108-641E579F496B}"/>
               </a:ext>
             </a:extLst>
           </p:cNvPr>
@@ -290,7 +290,7 @@
           <p:cNvPr id="6" name="灯片编号占位符 5">
             <a:extLst>
               <a:ext uri="{FF2B5EF4-FFF2-40B4-BE49-F238E27FC236}">
-                <a16:creationId xmlns:a16="http://schemas.microsoft.com/office/drawing/2014/main" id="{CFFD1299-4AF9-AA83-6448-EC44F249BCD5}"/>
+                <a16:creationId xmlns:a16="http://schemas.microsoft.com/office/drawing/2014/main" id="{4E754D83-7906-F70B-68C9-4EDCD466BE43}"/>
               </a:ext>
             </a:extLst>
           </p:cNvPr>
@@ -306,7 +306,7 @@
           <a:bodyPr/>
           <a:lstStyle/>
           <a:p>
-            <a:fld id="{98DFCEAD-162A-4731-8065-D1FA6B49F580}" type="slidenum">
+            <a:fld id="{1E4F61E4-78AB-4DC5-AEF9-C9F25C8A5DDB}" type="slidenum">
               <a:rPr lang="zh-CN" altLang="en-US" smtClean="0"/>
               <a:t>‹#›</a:t>
             </a:fld>
@@ -317,7 +317,7 @@
     </p:spTree>
     <p:extLst>
       <p:ext uri="{BB962C8B-B14F-4D97-AF65-F5344CB8AC3E}">
-        <p14:creationId xmlns:p14="http://schemas.microsoft.com/office/powerpoint/2010/main" val="940248426"/>
+        <p14:creationId xmlns:p14="http://schemas.microsoft.com/office/powerpoint/2010/main" val="338218830"/>
       </p:ext>
     </p:extLst>
   </p:cSld>
@@ -349,7 +349,7 @@
           <p:cNvPr id="2" name="标题 1">
             <a:extLst>
               <a:ext uri="{FF2B5EF4-FFF2-40B4-BE49-F238E27FC236}">
-                <a16:creationId xmlns:a16="http://schemas.microsoft.com/office/drawing/2014/main" id="{F481E1E5-45D3-5BA3-2A43-72B814F9D9AD}"/>
+                <a16:creationId xmlns:a16="http://schemas.microsoft.com/office/drawing/2014/main" id="{E129DFBA-F402-1DAC-34A9-1FAB8DBD44CF}"/>
               </a:ext>
             </a:extLst>
           </p:cNvPr>
@@ -377,7 +377,7 @@
           <p:cNvPr id="3" name="竖排文字占位符 2">
             <a:extLst>
               <a:ext uri="{FF2B5EF4-FFF2-40B4-BE49-F238E27FC236}">
-                <a16:creationId xmlns:a16="http://schemas.microsoft.com/office/drawing/2014/main" id="{16ACC091-3BEA-8709-C105-9036B326EDC2}"/>
+                <a16:creationId xmlns:a16="http://schemas.microsoft.com/office/drawing/2014/main" id="{740A41CD-D6AF-CB38-23C1-E9C532F52418}"/>
               </a:ext>
             </a:extLst>
           </p:cNvPr>
@@ -434,7 +434,7 @@
           <p:cNvPr id="4" name="日期占位符 3">
             <a:extLst>
               <a:ext uri="{FF2B5EF4-FFF2-40B4-BE49-F238E27FC236}">
-                <a16:creationId xmlns:a16="http://schemas.microsoft.com/office/drawing/2014/main" id="{4228DCB5-7350-4270-03A1-91D8CD432113}"/>
+                <a16:creationId xmlns:a16="http://schemas.microsoft.com/office/drawing/2014/main" id="{6AF4BA50-6C6B-1A94-B1B3-6ED47FF076AF}"/>
               </a:ext>
             </a:extLst>
           </p:cNvPr>
@@ -450,7 +450,7 @@
           <a:bodyPr/>
           <a:lstStyle/>
           <a:p>
-            <a:fld id="{FDCBF9EE-ED56-40BC-9DCF-8CA047F090FE}" type="datetimeFigureOut">
+            <a:fld id="{CB8D6368-1D44-4E24-8800-CD3F2DD25BA1}" type="datetimeFigureOut">
               <a:rPr lang="zh-CN" altLang="en-US" smtClean="0"/>
               <a:t>2024/3/10</a:t>
             </a:fld>
@@ -463,7 +463,7 @@
           <p:cNvPr id="5" name="页脚占位符 4">
             <a:extLst>
               <a:ext uri="{FF2B5EF4-FFF2-40B4-BE49-F238E27FC236}">
-                <a16:creationId xmlns:a16="http://schemas.microsoft.com/office/drawing/2014/main" id="{E48DB7BF-6EA5-D035-59E8-F9309BC361BE}"/>
+                <a16:creationId xmlns:a16="http://schemas.microsoft.com/office/drawing/2014/main" id="{9809FDF3-61E9-643E-FE62-2592294C65BE}"/>
               </a:ext>
             </a:extLst>
           </p:cNvPr>
@@ -488,7 +488,7 @@
           <p:cNvPr id="6" name="灯片编号占位符 5">
             <a:extLst>
               <a:ext uri="{FF2B5EF4-FFF2-40B4-BE49-F238E27FC236}">
-                <a16:creationId xmlns:a16="http://schemas.microsoft.com/office/drawing/2014/main" id="{EB39B6AB-653E-3757-D542-DD20C13A124B}"/>
+                <a16:creationId xmlns:a16="http://schemas.microsoft.com/office/drawing/2014/main" id="{1431461E-ADDD-8280-EE38-DA7D9F7F5748}"/>
               </a:ext>
             </a:extLst>
           </p:cNvPr>
@@ -504,7 +504,7 @@
           <a:bodyPr/>
           <a:lstStyle/>
           <a:p>
-            <a:fld id="{98DFCEAD-162A-4731-8065-D1FA6B49F580}" type="slidenum">
+            <a:fld id="{1E4F61E4-78AB-4DC5-AEF9-C9F25C8A5DDB}" type="slidenum">
               <a:rPr lang="zh-CN" altLang="en-US" smtClean="0"/>
               <a:t>‹#›</a:t>
             </a:fld>
@@ -515,7 +515,7 @@
     </p:spTree>
     <p:extLst>
       <p:ext uri="{BB962C8B-B14F-4D97-AF65-F5344CB8AC3E}">
-        <p14:creationId xmlns:p14="http://schemas.microsoft.com/office/powerpoint/2010/main" val="1217942182"/>
+        <p14:creationId xmlns:p14="http://schemas.microsoft.com/office/powerpoint/2010/main" val="4181480510"/>
       </p:ext>
     </p:extLst>
   </p:cSld>
@@ -547,7 +547,7 @@
           <p:cNvPr id="2" name="竖排标题 1">
             <a:extLst>
               <a:ext uri="{FF2B5EF4-FFF2-40B4-BE49-F238E27FC236}">
-                <a16:creationId xmlns:a16="http://schemas.microsoft.com/office/drawing/2014/main" id="{22C9839C-6D78-C2FD-07B1-CF2F5F7B5DB7}"/>
+                <a16:creationId xmlns:a16="http://schemas.microsoft.com/office/drawing/2014/main" id="{AD1824B4-4960-B694-2678-ADD10102E465}"/>
               </a:ext>
             </a:extLst>
           </p:cNvPr>
@@ -580,7 +580,7 @@
           <p:cNvPr id="3" name="竖排文字占位符 2">
             <a:extLst>
               <a:ext uri="{FF2B5EF4-FFF2-40B4-BE49-F238E27FC236}">
-                <a16:creationId xmlns:a16="http://schemas.microsoft.com/office/drawing/2014/main" id="{327C4F21-C4EA-6CD6-4CF1-DD72585A9EBD}"/>
+                <a16:creationId xmlns:a16="http://schemas.microsoft.com/office/drawing/2014/main" id="{5A351CEC-F9EE-0939-94FC-D7C95A756FFD}"/>
               </a:ext>
             </a:extLst>
           </p:cNvPr>
@@ -642,7 +642,7 @@
           <p:cNvPr id="4" name="日期占位符 3">
             <a:extLst>
               <a:ext uri="{FF2B5EF4-FFF2-40B4-BE49-F238E27FC236}">
-                <a16:creationId xmlns:a16="http://schemas.microsoft.com/office/drawing/2014/main" id="{7F5DEE1C-5965-2736-77DD-E05A2714F7F6}"/>
+                <a16:creationId xmlns:a16="http://schemas.microsoft.com/office/drawing/2014/main" id="{826AE5FB-B131-1F6F-5707-AA61839CDF5A}"/>
               </a:ext>
             </a:extLst>
           </p:cNvPr>
@@ -658,7 +658,7 @@
           <a:bodyPr/>
           <a:lstStyle/>
           <a:p>
-            <a:fld id="{FDCBF9EE-ED56-40BC-9DCF-8CA047F090FE}" type="datetimeFigureOut">
+            <a:fld id="{CB8D6368-1D44-4E24-8800-CD3F2DD25BA1}" type="datetimeFigureOut">
               <a:rPr lang="zh-CN" altLang="en-US" smtClean="0"/>
               <a:t>2024/3/10</a:t>
             </a:fld>
@@ -671,7 +671,7 @@
           <p:cNvPr id="5" name="页脚占位符 4">
             <a:extLst>
               <a:ext uri="{FF2B5EF4-FFF2-40B4-BE49-F238E27FC236}">
-                <a16:creationId xmlns:a16="http://schemas.microsoft.com/office/drawing/2014/main" id="{5711BD28-9B18-B241-B78E-685D86BCEF0D}"/>
+                <a16:creationId xmlns:a16="http://schemas.microsoft.com/office/drawing/2014/main" id="{619981BC-FD3E-2666-8C2C-C71E96CC757C}"/>
               </a:ext>
             </a:extLst>
           </p:cNvPr>
@@ -696,7 +696,7 @@
           <p:cNvPr id="6" name="灯片编号占位符 5">
             <a:extLst>
               <a:ext uri="{FF2B5EF4-FFF2-40B4-BE49-F238E27FC236}">
-                <a16:creationId xmlns:a16="http://schemas.microsoft.com/office/drawing/2014/main" id="{F0D63E32-8058-B56F-7645-698A2FB172A3}"/>
+                <a16:creationId xmlns:a16="http://schemas.microsoft.com/office/drawing/2014/main" id="{82727AC9-32C1-4FF0-9534-98D5362C628E}"/>
               </a:ext>
             </a:extLst>
           </p:cNvPr>
@@ -712,7 +712,7 @@
           <a:bodyPr/>
           <a:lstStyle/>
           <a:p>
-            <a:fld id="{98DFCEAD-162A-4731-8065-D1FA6B49F580}" type="slidenum">
+            <a:fld id="{1E4F61E4-78AB-4DC5-AEF9-C9F25C8A5DDB}" type="slidenum">
               <a:rPr lang="zh-CN" altLang="en-US" smtClean="0"/>
               <a:t>‹#›</a:t>
             </a:fld>
@@ -723,7 +723,7 @@
     </p:spTree>
     <p:extLst>
       <p:ext uri="{BB962C8B-B14F-4D97-AF65-F5344CB8AC3E}">
-        <p14:creationId xmlns:p14="http://schemas.microsoft.com/office/powerpoint/2010/main" val="341835335"/>
+        <p14:creationId xmlns:p14="http://schemas.microsoft.com/office/powerpoint/2010/main" val="3301810997"/>
       </p:ext>
     </p:extLst>
   </p:cSld>
@@ -755,7 +755,7 @@
           <p:cNvPr id="2" name="标题 1">
             <a:extLst>
               <a:ext uri="{FF2B5EF4-FFF2-40B4-BE49-F238E27FC236}">
-                <a16:creationId xmlns:a16="http://schemas.microsoft.com/office/drawing/2014/main" id="{2680BE9C-BEB8-A03E-CB0D-5E264702DC9C}"/>
+                <a16:creationId xmlns:a16="http://schemas.microsoft.com/office/drawing/2014/main" id="{30CB02C1-85A8-5F06-7F28-0DEAD499EC47}"/>
               </a:ext>
             </a:extLst>
           </p:cNvPr>
@@ -783,7 +783,7 @@
           <p:cNvPr id="3" name="内容占位符 2">
             <a:extLst>
               <a:ext uri="{FF2B5EF4-FFF2-40B4-BE49-F238E27FC236}">
-                <a16:creationId xmlns:a16="http://schemas.microsoft.com/office/drawing/2014/main" id="{BCB2EF85-42AA-F7FF-9941-D5821C1647F4}"/>
+                <a16:creationId xmlns:a16="http://schemas.microsoft.com/office/drawing/2014/main" id="{CDC89B61-7137-285E-EE6E-16795A852246}"/>
               </a:ext>
             </a:extLst>
           </p:cNvPr>
@@ -840,7 +840,7 @@
           <p:cNvPr id="4" name="日期占位符 3">
             <a:extLst>
               <a:ext uri="{FF2B5EF4-FFF2-40B4-BE49-F238E27FC236}">
-                <a16:creationId xmlns:a16="http://schemas.microsoft.com/office/drawing/2014/main" id="{A180AFA0-CAD5-E2E6-E577-4B0540D96A87}"/>
+                <a16:creationId xmlns:a16="http://schemas.microsoft.com/office/drawing/2014/main" id="{53EBC4E8-5A42-A690-890E-1EE630659B80}"/>
               </a:ext>
             </a:extLst>
           </p:cNvPr>
@@ -856,7 +856,7 @@
           <a:bodyPr/>
           <a:lstStyle/>
           <a:p>
-            <a:fld id="{FDCBF9EE-ED56-40BC-9DCF-8CA047F090FE}" type="datetimeFigureOut">
+            <a:fld id="{CB8D6368-1D44-4E24-8800-CD3F2DD25BA1}" type="datetimeFigureOut">
               <a:rPr lang="zh-CN" altLang="en-US" smtClean="0"/>
               <a:t>2024/3/10</a:t>
             </a:fld>
@@ -869,7 +869,7 @@
           <p:cNvPr id="5" name="页脚占位符 4">
             <a:extLst>
               <a:ext uri="{FF2B5EF4-FFF2-40B4-BE49-F238E27FC236}">
-                <a16:creationId xmlns:a16="http://schemas.microsoft.com/office/drawing/2014/main" id="{D4235CC0-336C-69CE-E394-320703E53631}"/>
+                <a16:creationId xmlns:a16="http://schemas.microsoft.com/office/drawing/2014/main" id="{79050F01-67BC-68E7-9924-64A11CD23E55}"/>
               </a:ext>
             </a:extLst>
           </p:cNvPr>
@@ -894,7 +894,7 @@
           <p:cNvPr id="6" name="灯片编号占位符 5">
             <a:extLst>
               <a:ext uri="{FF2B5EF4-FFF2-40B4-BE49-F238E27FC236}">
-                <a16:creationId xmlns:a16="http://schemas.microsoft.com/office/drawing/2014/main" id="{31A0D6D7-BE3E-C1E1-34A1-8902CB91D37F}"/>
+                <a16:creationId xmlns:a16="http://schemas.microsoft.com/office/drawing/2014/main" id="{081242F8-B6AD-E59B-3CED-FF10DD7D2FF9}"/>
               </a:ext>
             </a:extLst>
           </p:cNvPr>
@@ -910,7 +910,7 @@
           <a:bodyPr/>
           <a:lstStyle/>
           <a:p>
-            <a:fld id="{98DFCEAD-162A-4731-8065-D1FA6B49F580}" type="slidenum">
+            <a:fld id="{1E4F61E4-78AB-4DC5-AEF9-C9F25C8A5DDB}" type="slidenum">
               <a:rPr lang="zh-CN" altLang="en-US" smtClean="0"/>
               <a:t>‹#›</a:t>
             </a:fld>
@@ -921,7 +921,7 @@
     </p:spTree>
     <p:extLst>
       <p:ext uri="{BB962C8B-B14F-4D97-AF65-F5344CB8AC3E}">
-        <p14:creationId xmlns:p14="http://schemas.microsoft.com/office/powerpoint/2010/main" val="2758608649"/>
+        <p14:creationId xmlns:p14="http://schemas.microsoft.com/office/powerpoint/2010/main" val="2591688918"/>
       </p:ext>
     </p:extLst>
   </p:cSld>
@@ -953,7 +953,7 @@
           <p:cNvPr id="2" name="标题 1">
             <a:extLst>
               <a:ext uri="{FF2B5EF4-FFF2-40B4-BE49-F238E27FC236}">
-                <a16:creationId xmlns:a16="http://schemas.microsoft.com/office/drawing/2014/main" id="{E6CEF952-BEF4-F3ED-BF1D-D74C925B0C55}"/>
+                <a16:creationId xmlns:a16="http://schemas.microsoft.com/office/drawing/2014/main" id="{54F6A196-7BEF-A04F-5C3D-1B9621C419FF}"/>
               </a:ext>
             </a:extLst>
           </p:cNvPr>
@@ -990,7 +990,7 @@
           <p:cNvPr id="3" name="文本占位符 2">
             <a:extLst>
               <a:ext uri="{FF2B5EF4-FFF2-40B4-BE49-F238E27FC236}">
-                <a16:creationId xmlns:a16="http://schemas.microsoft.com/office/drawing/2014/main" id="{A0BEFF5E-DF61-6725-5B40-F6C1FF1687D8}"/>
+                <a16:creationId xmlns:a16="http://schemas.microsoft.com/office/drawing/2014/main" id="{79EABC7A-52BA-F089-86B8-49388C0DBFDC}"/>
               </a:ext>
             </a:extLst>
           </p:cNvPr>
@@ -1115,7 +1115,7 @@
           <p:cNvPr id="4" name="日期占位符 3">
             <a:extLst>
               <a:ext uri="{FF2B5EF4-FFF2-40B4-BE49-F238E27FC236}">
-                <a16:creationId xmlns:a16="http://schemas.microsoft.com/office/drawing/2014/main" id="{4A688AED-D790-EEC4-BA25-7D3F079259FE}"/>
+                <a16:creationId xmlns:a16="http://schemas.microsoft.com/office/drawing/2014/main" id="{ABB0960E-2B92-BD45-5017-D896A5D2051A}"/>
               </a:ext>
             </a:extLst>
           </p:cNvPr>
@@ -1131,7 +1131,7 @@
           <a:bodyPr/>
           <a:lstStyle/>
           <a:p>
-            <a:fld id="{FDCBF9EE-ED56-40BC-9DCF-8CA047F090FE}" type="datetimeFigureOut">
+            <a:fld id="{CB8D6368-1D44-4E24-8800-CD3F2DD25BA1}" type="datetimeFigureOut">
               <a:rPr lang="zh-CN" altLang="en-US" smtClean="0"/>
               <a:t>2024/3/10</a:t>
             </a:fld>
@@ -1144,7 +1144,7 @@
           <p:cNvPr id="5" name="页脚占位符 4">
             <a:extLst>
               <a:ext uri="{FF2B5EF4-FFF2-40B4-BE49-F238E27FC236}">
-                <a16:creationId xmlns:a16="http://schemas.microsoft.com/office/drawing/2014/main" id="{A86DB7CC-212A-4E0F-233E-BB73DDC3C4C7}"/>
+                <a16:creationId xmlns:a16="http://schemas.microsoft.com/office/drawing/2014/main" id="{3F85A033-8B1D-5D52-1E97-77702181A3FC}"/>
               </a:ext>
             </a:extLst>
           </p:cNvPr>
@@ -1169,7 +1169,7 @@
           <p:cNvPr id="6" name="灯片编号占位符 5">
             <a:extLst>
               <a:ext uri="{FF2B5EF4-FFF2-40B4-BE49-F238E27FC236}">
-                <a16:creationId xmlns:a16="http://schemas.microsoft.com/office/drawing/2014/main" id="{610AB4B3-EF50-B9CE-0DCF-1CB643E74C6C}"/>
+                <a16:creationId xmlns:a16="http://schemas.microsoft.com/office/drawing/2014/main" id="{D37C81B0-DD8D-A197-1D8A-61DA016AFC2A}"/>
               </a:ext>
             </a:extLst>
           </p:cNvPr>
@@ -1185,7 +1185,7 @@
           <a:bodyPr/>
           <a:lstStyle/>
           <a:p>
-            <a:fld id="{98DFCEAD-162A-4731-8065-D1FA6B49F580}" type="slidenum">
+            <a:fld id="{1E4F61E4-78AB-4DC5-AEF9-C9F25C8A5DDB}" type="slidenum">
               <a:rPr lang="zh-CN" altLang="en-US" smtClean="0"/>
               <a:t>‹#›</a:t>
             </a:fld>
@@ -1196,7 +1196,7 @@
     </p:spTree>
     <p:extLst>
       <p:ext uri="{BB962C8B-B14F-4D97-AF65-F5344CB8AC3E}">
-        <p14:creationId xmlns:p14="http://schemas.microsoft.com/office/powerpoint/2010/main" val="427337033"/>
+        <p14:creationId xmlns:p14="http://schemas.microsoft.com/office/powerpoint/2010/main" val="190008909"/>
       </p:ext>
     </p:extLst>
   </p:cSld>
@@ -1228,7 +1228,7 @@
           <p:cNvPr id="2" name="标题 1">
             <a:extLst>
               <a:ext uri="{FF2B5EF4-FFF2-40B4-BE49-F238E27FC236}">
-                <a16:creationId xmlns:a16="http://schemas.microsoft.com/office/drawing/2014/main" id="{4D223544-25AD-F58C-6AA9-F59449A41212}"/>
+                <a16:creationId xmlns:a16="http://schemas.microsoft.com/office/drawing/2014/main" id="{C1E2426F-0941-3E1A-E6FC-005A7452C07F}"/>
               </a:ext>
             </a:extLst>
           </p:cNvPr>
@@ -1256,7 +1256,7 @@
           <p:cNvPr id="3" name="内容占位符 2">
             <a:extLst>
               <a:ext uri="{FF2B5EF4-FFF2-40B4-BE49-F238E27FC236}">
-                <a16:creationId xmlns:a16="http://schemas.microsoft.com/office/drawing/2014/main" id="{4E6B8FF8-B6CE-7D8C-5458-06E782BDACC4}"/>
+                <a16:creationId xmlns:a16="http://schemas.microsoft.com/office/drawing/2014/main" id="{366963B8-ED22-4579-2526-60C196C20824}"/>
               </a:ext>
             </a:extLst>
           </p:cNvPr>
@@ -1318,7 +1318,7 @@
           <p:cNvPr id="4" name="内容占位符 3">
             <a:extLst>
               <a:ext uri="{FF2B5EF4-FFF2-40B4-BE49-F238E27FC236}">
-                <a16:creationId xmlns:a16="http://schemas.microsoft.com/office/drawing/2014/main" id="{3B281CFB-3A5D-E447-B0DC-69D4ACAE3D83}"/>
+                <a16:creationId xmlns:a16="http://schemas.microsoft.com/office/drawing/2014/main" id="{078E0114-5605-001D-2124-9E1BC988BBE8}"/>
               </a:ext>
             </a:extLst>
           </p:cNvPr>
@@ -1380,7 +1380,7 @@
           <p:cNvPr id="5" name="日期占位符 4">
             <a:extLst>
               <a:ext uri="{FF2B5EF4-FFF2-40B4-BE49-F238E27FC236}">
-                <a16:creationId xmlns:a16="http://schemas.microsoft.com/office/drawing/2014/main" id="{C52961EE-DF79-1B73-46DD-48B317BE0829}"/>
+                <a16:creationId xmlns:a16="http://schemas.microsoft.com/office/drawing/2014/main" id="{2093B7A0-20D9-E5DA-F811-1A598F8352F4}"/>
               </a:ext>
             </a:extLst>
           </p:cNvPr>
@@ -1396,7 +1396,7 @@
           <a:bodyPr/>
           <a:lstStyle/>
           <a:p>
-            <a:fld id="{FDCBF9EE-ED56-40BC-9DCF-8CA047F090FE}" type="datetimeFigureOut">
+            <a:fld id="{CB8D6368-1D44-4E24-8800-CD3F2DD25BA1}" type="datetimeFigureOut">
               <a:rPr lang="zh-CN" altLang="en-US" smtClean="0"/>
               <a:t>2024/3/10</a:t>
             </a:fld>
@@ -1409,7 +1409,7 @@
           <p:cNvPr id="6" name="页脚占位符 5">
             <a:extLst>
               <a:ext uri="{FF2B5EF4-FFF2-40B4-BE49-F238E27FC236}">
-                <a16:creationId xmlns:a16="http://schemas.microsoft.com/office/drawing/2014/main" id="{EDAD7623-B971-53AA-9CF8-F420BFD6FE9F}"/>
+                <a16:creationId xmlns:a16="http://schemas.microsoft.com/office/drawing/2014/main" id="{4FF16EA2-6D8A-0C06-F943-348AE6722480}"/>
               </a:ext>
             </a:extLst>
           </p:cNvPr>
@@ -1434,7 +1434,7 @@
           <p:cNvPr id="7" name="灯片编号占位符 6">
             <a:extLst>
               <a:ext uri="{FF2B5EF4-FFF2-40B4-BE49-F238E27FC236}">
-                <a16:creationId xmlns:a16="http://schemas.microsoft.com/office/drawing/2014/main" id="{31E3964A-1F85-1A3E-B3C6-2F5ADE5F9C22}"/>
+                <a16:creationId xmlns:a16="http://schemas.microsoft.com/office/drawing/2014/main" id="{02CB7D11-4F56-882F-F454-C92D32F8282E}"/>
               </a:ext>
             </a:extLst>
           </p:cNvPr>
@@ -1450,7 +1450,7 @@
           <a:bodyPr/>
           <a:lstStyle/>
           <a:p>
-            <a:fld id="{98DFCEAD-162A-4731-8065-D1FA6B49F580}" type="slidenum">
+            <a:fld id="{1E4F61E4-78AB-4DC5-AEF9-C9F25C8A5DDB}" type="slidenum">
               <a:rPr lang="zh-CN" altLang="en-US" smtClean="0"/>
               <a:t>‹#›</a:t>
             </a:fld>
@@ -1461,7 +1461,7 @@
     </p:spTree>
     <p:extLst>
       <p:ext uri="{BB962C8B-B14F-4D97-AF65-F5344CB8AC3E}">
-        <p14:creationId xmlns:p14="http://schemas.microsoft.com/office/powerpoint/2010/main" val="1460853919"/>
+        <p14:creationId xmlns:p14="http://schemas.microsoft.com/office/powerpoint/2010/main" val="789135021"/>
       </p:ext>
     </p:extLst>
   </p:cSld>
@@ -1493,7 +1493,7 @@
           <p:cNvPr id="2" name="标题 1">
             <a:extLst>
               <a:ext uri="{FF2B5EF4-FFF2-40B4-BE49-F238E27FC236}">
-                <a16:creationId xmlns:a16="http://schemas.microsoft.com/office/drawing/2014/main" id="{795E5AF2-7724-47F2-D86D-DADE292C0C14}"/>
+                <a16:creationId xmlns:a16="http://schemas.microsoft.com/office/drawing/2014/main" id="{59D0CA86-F347-B839-A052-6E7D3F43558C}"/>
               </a:ext>
             </a:extLst>
           </p:cNvPr>
@@ -1526,7 +1526,7 @@
           <p:cNvPr id="3" name="文本占位符 2">
             <a:extLst>
               <a:ext uri="{FF2B5EF4-FFF2-40B4-BE49-F238E27FC236}">
-                <a16:creationId xmlns:a16="http://schemas.microsoft.com/office/drawing/2014/main" id="{F5138D6F-5A36-44B0-90C7-B1161459B52C}"/>
+                <a16:creationId xmlns:a16="http://schemas.microsoft.com/office/drawing/2014/main" id="{3C291728-586C-824E-6C6A-832A8FF0E5D8}"/>
               </a:ext>
             </a:extLst>
           </p:cNvPr>
@@ -1597,7 +1597,7 @@
           <p:cNvPr id="4" name="内容占位符 3">
             <a:extLst>
               <a:ext uri="{FF2B5EF4-FFF2-40B4-BE49-F238E27FC236}">
-                <a16:creationId xmlns:a16="http://schemas.microsoft.com/office/drawing/2014/main" id="{9E443FF5-E6C0-79B8-884B-D30379A82384}"/>
+                <a16:creationId xmlns:a16="http://schemas.microsoft.com/office/drawing/2014/main" id="{95DF9880-5573-29F3-1D3C-818F6F8C1A30}"/>
               </a:ext>
             </a:extLst>
           </p:cNvPr>
@@ -1659,7 +1659,7 @@
           <p:cNvPr id="5" name="文本占位符 4">
             <a:extLst>
               <a:ext uri="{FF2B5EF4-FFF2-40B4-BE49-F238E27FC236}">
-                <a16:creationId xmlns:a16="http://schemas.microsoft.com/office/drawing/2014/main" id="{17E4F18D-EB2A-EE36-A719-7E386D586049}"/>
+                <a16:creationId xmlns:a16="http://schemas.microsoft.com/office/drawing/2014/main" id="{07C4ED73-DBAE-B955-5CB0-989FF8EB0C7B}"/>
               </a:ext>
             </a:extLst>
           </p:cNvPr>
@@ -1730,7 +1730,7 @@
           <p:cNvPr id="6" name="内容占位符 5">
             <a:extLst>
               <a:ext uri="{FF2B5EF4-FFF2-40B4-BE49-F238E27FC236}">
-                <a16:creationId xmlns:a16="http://schemas.microsoft.com/office/drawing/2014/main" id="{1255A347-1B0A-0CAF-F5A4-90632491E265}"/>
+                <a16:creationId xmlns:a16="http://schemas.microsoft.com/office/drawing/2014/main" id="{E961FDF5-4D9C-20C9-E71D-A94E2B6E0DB3}"/>
               </a:ext>
             </a:extLst>
           </p:cNvPr>
@@ -1792,7 +1792,7 @@
           <p:cNvPr id="7" name="日期占位符 6">
             <a:extLst>
               <a:ext uri="{FF2B5EF4-FFF2-40B4-BE49-F238E27FC236}">
-                <a16:creationId xmlns:a16="http://schemas.microsoft.com/office/drawing/2014/main" id="{2E9AA198-18B8-E0A6-FBC8-C8661A3F710C}"/>
+                <a16:creationId xmlns:a16="http://schemas.microsoft.com/office/drawing/2014/main" id="{13226FCB-9DB4-9EF3-FAD0-003748207B65}"/>
               </a:ext>
             </a:extLst>
           </p:cNvPr>
@@ -1808,7 +1808,7 @@
           <a:bodyPr/>
           <a:lstStyle/>
           <a:p>
-            <a:fld id="{FDCBF9EE-ED56-40BC-9DCF-8CA047F090FE}" type="datetimeFigureOut">
+            <a:fld id="{CB8D6368-1D44-4E24-8800-CD3F2DD25BA1}" type="datetimeFigureOut">
               <a:rPr lang="zh-CN" altLang="en-US" smtClean="0"/>
               <a:t>2024/3/10</a:t>
             </a:fld>
@@ -1821,7 +1821,7 @@
           <p:cNvPr id="8" name="页脚占位符 7">
             <a:extLst>
               <a:ext uri="{FF2B5EF4-FFF2-40B4-BE49-F238E27FC236}">
-                <a16:creationId xmlns:a16="http://schemas.microsoft.com/office/drawing/2014/main" id="{440DD954-DEF0-0FD0-085A-EED5181E119A}"/>
+                <a16:creationId xmlns:a16="http://schemas.microsoft.com/office/drawing/2014/main" id="{9FFD637D-ACFB-F223-955B-6A20332637B9}"/>
               </a:ext>
             </a:extLst>
           </p:cNvPr>
@@ -1846,7 +1846,7 @@
           <p:cNvPr id="9" name="灯片编号占位符 8">
             <a:extLst>
               <a:ext uri="{FF2B5EF4-FFF2-40B4-BE49-F238E27FC236}">
-                <a16:creationId xmlns:a16="http://schemas.microsoft.com/office/drawing/2014/main" id="{FAA410BC-9240-17C3-8D8E-33C20FE17F2A}"/>
+                <a16:creationId xmlns:a16="http://schemas.microsoft.com/office/drawing/2014/main" id="{75FCCBDE-A2AC-282D-F98E-F355AA12F676}"/>
               </a:ext>
             </a:extLst>
           </p:cNvPr>
@@ -1862,7 +1862,7 @@
           <a:bodyPr/>
           <a:lstStyle/>
           <a:p>
-            <a:fld id="{98DFCEAD-162A-4731-8065-D1FA6B49F580}" type="slidenum">
+            <a:fld id="{1E4F61E4-78AB-4DC5-AEF9-C9F25C8A5DDB}" type="slidenum">
               <a:rPr lang="zh-CN" altLang="en-US" smtClean="0"/>
               <a:t>‹#›</a:t>
             </a:fld>
@@ -1873,7 +1873,7 @@
     </p:spTree>
     <p:extLst>
       <p:ext uri="{BB962C8B-B14F-4D97-AF65-F5344CB8AC3E}">
-        <p14:creationId xmlns:p14="http://schemas.microsoft.com/office/powerpoint/2010/main" val="3289029046"/>
+        <p14:creationId xmlns:p14="http://schemas.microsoft.com/office/powerpoint/2010/main" val="618338299"/>
       </p:ext>
     </p:extLst>
   </p:cSld>
@@ -1905,7 +1905,7 @@
           <p:cNvPr id="2" name="标题 1">
             <a:extLst>
               <a:ext uri="{FF2B5EF4-FFF2-40B4-BE49-F238E27FC236}">
-                <a16:creationId xmlns:a16="http://schemas.microsoft.com/office/drawing/2014/main" id="{02A6545D-654C-83E2-808D-A51AFF3D9F14}"/>
+                <a16:creationId xmlns:a16="http://schemas.microsoft.com/office/drawing/2014/main" id="{D7964A23-4E72-2ACC-01C9-8C2FF2B2E493}"/>
               </a:ext>
             </a:extLst>
           </p:cNvPr>
@@ -1933,7 +1933,7 @@
           <p:cNvPr id="3" name="日期占位符 2">
             <a:extLst>
               <a:ext uri="{FF2B5EF4-FFF2-40B4-BE49-F238E27FC236}">
-                <a16:creationId xmlns:a16="http://schemas.microsoft.com/office/drawing/2014/main" id="{79B58098-8934-14B6-8D57-8CCF9390D12E}"/>
+                <a16:creationId xmlns:a16="http://schemas.microsoft.com/office/drawing/2014/main" id="{673DF645-FDEA-46B7-9851-D2B67F1F6A47}"/>
               </a:ext>
             </a:extLst>
           </p:cNvPr>
@@ -1949,7 +1949,7 @@
           <a:bodyPr/>
           <a:lstStyle/>
           <a:p>
-            <a:fld id="{FDCBF9EE-ED56-40BC-9DCF-8CA047F090FE}" type="datetimeFigureOut">
+            <a:fld id="{CB8D6368-1D44-4E24-8800-CD3F2DD25BA1}" type="datetimeFigureOut">
               <a:rPr lang="zh-CN" altLang="en-US" smtClean="0"/>
               <a:t>2024/3/10</a:t>
             </a:fld>
@@ -1962,7 +1962,7 @@
           <p:cNvPr id="4" name="页脚占位符 3">
             <a:extLst>
               <a:ext uri="{FF2B5EF4-FFF2-40B4-BE49-F238E27FC236}">
-                <a16:creationId xmlns:a16="http://schemas.microsoft.com/office/drawing/2014/main" id="{D213C11F-C539-23A6-0C89-8D4F20EB7314}"/>
+                <a16:creationId xmlns:a16="http://schemas.microsoft.com/office/drawing/2014/main" id="{71428E76-AD5C-81F8-529B-664E644E3EBE}"/>
               </a:ext>
             </a:extLst>
           </p:cNvPr>
@@ -1987,7 +1987,7 @@
           <p:cNvPr id="5" name="灯片编号占位符 4">
             <a:extLst>
               <a:ext uri="{FF2B5EF4-FFF2-40B4-BE49-F238E27FC236}">
-                <a16:creationId xmlns:a16="http://schemas.microsoft.com/office/drawing/2014/main" id="{BD653065-2CC0-2CDA-1957-BD734D9108B5}"/>
+                <a16:creationId xmlns:a16="http://schemas.microsoft.com/office/drawing/2014/main" id="{E368E827-6591-527D-36D6-B96E0BCEA846}"/>
               </a:ext>
             </a:extLst>
           </p:cNvPr>
@@ -2003,7 +2003,7 @@
           <a:bodyPr/>
           <a:lstStyle/>
           <a:p>
-            <a:fld id="{98DFCEAD-162A-4731-8065-D1FA6B49F580}" type="slidenum">
+            <a:fld id="{1E4F61E4-78AB-4DC5-AEF9-C9F25C8A5DDB}" type="slidenum">
               <a:rPr lang="zh-CN" altLang="en-US" smtClean="0"/>
               <a:t>‹#›</a:t>
             </a:fld>
@@ -2014,7 +2014,7 @@
     </p:spTree>
     <p:extLst>
       <p:ext uri="{BB962C8B-B14F-4D97-AF65-F5344CB8AC3E}">
-        <p14:creationId xmlns:p14="http://schemas.microsoft.com/office/powerpoint/2010/main" val="3990816224"/>
+        <p14:creationId xmlns:p14="http://schemas.microsoft.com/office/powerpoint/2010/main" val="2147984234"/>
       </p:ext>
     </p:extLst>
   </p:cSld>
@@ -2046,7 +2046,7 @@
           <p:cNvPr id="2" name="日期占位符 1">
             <a:extLst>
               <a:ext uri="{FF2B5EF4-FFF2-40B4-BE49-F238E27FC236}">
-                <a16:creationId xmlns:a16="http://schemas.microsoft.com/office/drawing/2014/main" id="{E6397DF5-BBDF-4CBE-8C6C-13DADFEB1DD0}"/>
+                <a16:creationId xmlns:a16="http://schemas.microsoft.com/office/drawing/2014/main" id="{8667404C-B397-79F3-EECB-6DAC662538A0}"/>
               </a:ext>
             </a:extLst>
           </p:cNvPr>
@@ -2062,7 +2062,7 @@
           <a:bodyPr/>
           <a:lstStyle/>
           <a:p>
-            <a:fld id="{FDCBF9EE-ED56-40BC-9DCF-8CA047F090FE}" type="datetimeFigureOut">
+            <a:fld id="{CB8D6368-1D44-4E24-8800-CD3F2DD25BA1}" type="datetimeFigureOut">
               <a:rPr lang="zh-CN" altLang="en-US" smtClean="0"/>
               <a:t>2024/3/10</a:t>
             </a:fld>
@@ -2075,7 +2075,7 @@
           <p:cNvPr id="3" name="页脚占位符 2">
             <a:extLst>
               <a:ext uri="{FF2B5EF4-FFF2-40B4-BE49-F238E27FC236}">
-                <a16:creationId xmlns:a16="http://schemas.microsoft.com/office/drawing/2014/main" id="{3F4597AF-5D9B-DB6E-529B-AE053C391F6D}"/>
+                <a16:creationId xmlns:a16="http://schemas.microsoft.com/office/drawing/2014/main" id="{9BBD4356-34A2-A52A-A362-985C888DAD96}"/>
               </a:ext>
             </a:extLst>
           </p:cNvPr>
@@ -2100,7 +2100,7 @@
           <p:cNvPr id="4" name="灯片编号占位符 3">
             <a:extLst>
               <a:ext uri="{FF2B5EF4-FFF2-40B4-BE49-F238E27FC236}">
-                <a16:creationId xmlns:a16="http://schemas.microsoft.com/office/drawing/2014/main" id="{1E54B90A-3742-5C5B-F43B-AD5262A28626}"/>
+                <a16:creationId xmlns:a16="http://schemas.microsoft.com/office/drawing/2014/main" id="{9A51C431-5FFE-E49D-4F25-A2E4AE0DAE32}"/>
               </a:ext>
             </a:extLst>
           </p:cNvPr>
@@ -2116,7 +2116,7 @@
           <a:bodyPr/>
           <a:lstStyle/>
           <a:p>
-            <a:fld id="{98DFCEAD-162A-4731-8065-D1FA6B49F580}" type="slidenum">
+            <a:fld id="{1E4F61E4-78AB-4DC5-AEF9-C9F25C8A5DDB}" type="slidenum">
               <a:rPr lang="zh-CN" altLang="en-US" smtClean="0"/>
               <a:t>‹#›</a:t>
             </a:fld>
@@ -2127,7 +2127,7 @@
     </p:spTree>
     <p:extLst>
       <p:ext uri="{BB962C8B-B14F-4D97-AF65-F5344CB8AC3E}">
-        <p14:creationId xmlns:p14="http://schemas.microsoft.com/office/powerpoint/2010/main" val="2546108552"/>
+        <p14:creationId xmlns:p14="http://schemas.microsoft.com/office/powerpoint/2010/main" val="1945413575"/>
       </p:ext>
     </p:extLst>
   </p:cSld>
@@ -2159,7 +2159,7 @@
           <p:cNvPr id="2" name="标题 1">
             <a:extLst>
               <a:ext uri="{FF2B5EF4-FFF2-40B4-BE49-F238E27FC236}">
-                <a16:creationId xmlns:a16="http://schemas.microsoft.com/office/drawing/2014/main" id="{3F03E7EC-4D30-85DB-B6A3-DE19BF772C30}"/>
+                <a16:creationId xmlns:a16="http://schemas.microsoft.com/office/drawing/2014/main" id="{E639EA4E-D386-769D-AED0-0FE7D7F494B0}"/>
               </a:ext>
             </a:extLst>
           </p:cNvPr>
@@ -2196,7 +2196,7 @@
           <p:cNvPr id="3" name="内容占位符 2">
             <a:extLst>
               <a:ext uri="{FF2B5EF4-FFF2-40B4-BE49-F238E27FC236}">
-                <a16:creationId xmlns:a16="http://schemas.microsoft.com/office/drawing/2014/main" id="{FDDB4051-1C82-B29F-4EF2-7BC7EFE3D4BF}"/>
+                <a16:creationId xmlns:a16="http://schemas.microsoft.com/office/drawing/2014/main" id="{68B9C3DF-4FF0-64F3-4AB3-75CF42BC7008}"/>
               </a:ext>
             </a:extLst>
           </p:cNvPr>
@@ -2286,7 +2286,7 @@
           <p:cNvPr id="4" name="文本占位符 3">
             <a:extLst>
               <a:ext uri="{FF2B5EF4-FFF2-40B4-BE49-F238E27FC236}">
-                <a16:creationId xmlns:a16="http://schemas.microsoft.com/office/drawing/2014/main" id="{DE642426-3145-D664-8188-4F706F913547}"/>
+                <a16:creationId xmlns:a16="http://schemas.microsoft.com/office/drawing/2014/main" id="{B7EF3158-6216-BB63-FC70-4C2D8FAFEE1F}"/>
               </a:ext>
             </a:extLst>
           </p:cNvPr>
@@ -2357,7 +2357,7 @@
           <p:cNvPr id="5" name="日期占位符 4">
             <a:extLst>
               <a:ext uri="{FF2B5EF4-FFF2-40B4-BE49-F238E27FC236}">
-                <a16:creationId xmlns:a16="http://schemas.microsoft.com/office/drawing/2014/main" id="{9A5A142F-9750-5CAA-769C-542031B4B901}"/>
+                <a16:creationId xmlns:a16="http://schemas.microsoft.com/office/drawing/2014/main" id="{0383FDB8-AA05-8956-E294-CEBC301AD46E}"/>
               </a:ext>
             </a:extLst>
           </p:cNvPr>
@@ -2373,7 +2373,7 @@
           <a:bodyPr/>
           <a:lstStyle/>
           <a:p>
-            <a:fld id="{FDCBF9EE-ED56-40BC-9DCF-8CA047F090FE}" type="datetimeFigureOut">
+            <a:fld id="{CB8D6368-1D44-4E24-8800-CD3F2DD25BA1}" type="datetimeFigureOut">
               <a:rPr lang="zh-CN" altLang="en-US" smtClean="0"/>
               <a:t>2024/3/10</a:t>
             </a:fld>
@@ -2386,7 +2386,7 @@
           <p:cNvPr id="6" name="页脚占位符 5">
             <a:extLst>
               <a:ext uri="{FF2B5EF4-FFF2-40B4-BE49-F238E27FC236}">
-                <a16:creationId xmlns:a16="http://schemas.microsoft.com/office/drawing/2014/main" id="{AB983026-68EB-E293-1535-0B8FA8937342}"/>
+                <a16:creationId xmlns:a16="http://schemas.microsoft.com/office/drawing/2014/main" id="{87536C9A-930C-37A4-7650-2819D1B21D13}"/>
               </a:ext>
             </a:extLst>
           </p:cNvPr>
@@ -2411,7 +2411,7 @@
           <p:cNvPr id="7" name="灯片编号占位符 6">
             <a:extLst>
               <a:ext uri="{FF2B5EF4-FFF2-40B4-BE49-F238E27FC236}">
-                <a16:creationId xmlns:a16="http://schemas.microsoft.com/office/drawing/2014/main" id="{2322AB37-2BCC-5B56-031F-B033EF2F539B}"/>
+                <a16:creationId xmlns:a16="http://schemas.microsoft.com/office/drawing/2014/main" id="{FB4C3135-EC12-FDF5-2726-6CDBD4C503F4}"/>
               </a:ext>
             </a:extLst>
           </p:cNvPr>
@@ -2427,7 +2427,7 @@
           <a:bodyPr/>
           <a:lstStyle/>
           <a:p>
-            <a:fld id="{98DFCEAD-162A-4731-8065-D1FA6B49F580}" type="slidenum">
+            <a:fld id="{1E4F61E4-78AB-4DC5-AEF9-C9F25C8A5DDB}" type="slidenum">
               <a:rPr lang="zh-CN" altLang="en-US" smtClean="0"/>
               <a:t>‹#›</a:t>
             </a:fld>
@@ -2438,7 +2438,7 @@
     </p:spTree>
     <p:extLst>
       <p:ext uri="{BB962C8B-B14F-4D97-AF65-F5344CB8AC3E}">
-        <p14:creationId xmlns:p14="http://schemas.microsoft.com/office/powerpoint/2010/main" val="1542182405"/>
+        <p14:creationId xmlns:p14="http://schemas.microsoft.com/office/powerpoint/2010/main" val="111448620"/>
       </p:ext>
     </p:extLst>
   </p:cSld>
@@ -2470,7 +2470,7 @@
           <p:cNvPr id="2" name="标题 1">
             <a:extLst>
               <a:ext uri="{FF2B5EF4-FFF2-40B4-BE49-F238E27FC236}">
-                <a16:creationId xmlns:a16="http://schemas.microsoft.com/office/drawing/2014/main" id="{DD8E24B5-BC4E-4FB2-BFE9-6E6C679670FB}"/>
+                <a16:creationId xmlns:a16="http://schemas.microsoft.com/office/drawing/2014/main" id="{C738EC36-1EDE-8BED-B632-D7044DB30083}"/>
               </a:ext>
             </a:extLst>
           </p:cNvPr>
@@ -2507,7 +2507,7 @@
           <p:cNvPr id="3" name="图片占位符 2">
             <a:extLst>
               <a:ext uri="{FF2B5EF4-FFF2-40B4-BE49-F238E27FC236}">
-                <a16:creationId xmlns:a16="http://schemas.microsoft.com/office/drawing/2014/main" id="{00C91372-9117-6561-1EE2-061A0C1991AE}"/>
+                <a16:creationId xmlns:a16="http://schemas.microsoft.com/office/drawing/2014/main" id="{1B040376-F96E-45E3-28F3-D016A0B4DB88}"/>
               </a:ext>
             </a:extLst>
           </p:cNvPr>
@@ -2574,7 +2574,7 @@
           <p:cNvPr id="4" name="文本占位符 3">
             <a:extLst>
               <a:ext uri="{FF2B5EF4-FFF2-40B4-BE49-F238E27FC236}">
-                <a16:creationId xmlns:a16="http://schemas.microsoft.com/office/drawing/2014/main" id="{77DAC535-8A60-C653-6BCE-0008A20D7B9F}"/>
+                <a16:creationId xmlns:a16="http://schemas.microsoft.com/office/drawing/2014/main" id="{DCC18CEA-59B8-537F-FFD4-193D7D7F0A08}"/>
               </a:ext>
             </a:extLst>
           </p:cNvPr>
@@ -2645,7 +2645,7 @@
           <p:cNvPr id="5" name="日期占位符 4">
             <a:extLst>
               <a:ext uri="{FF2B5EF4-FFF2-40B4-BE49-F238E27FC236}">
-                <a16:creationId xmlns:a16="http://schemas.microsoft.com/office/drawing/2014/main" id="{E7C8484A-F5B4-FB68-819D-90D4B3E660BB}"/>
+                <a16:creationId xmlns:a16="http://schemas.microsoft.com/office/drawing/2014/main" id="{B96CEF62-C951-F397-5387-778A3343E9E0}"/>
               </a:ext>
             </a:extLst>
           </p:cNvPr>
@@ -2661,7 +2661,7 @@
           <a:bodyPr/>
           <a:lstStyle/>
           <a:p>
-            <a:fld id="{FDCBF9EE-ED56-40BC-9DCF-8CA047F090FE}" type="datetimeFigureOut">
+            <a:fld id="{CB8D6368-1D44-4E24-8800-CD3F2DD25BA1}" type="datetimeFigureOut">
               <a:rPr lang="zh-CN" altLang="en-US" smtClean="0"/>
               <a:t>2024/3/10</a:t>
             </a:fld>
@@ -2674,7 +2674,7 @@
           <p:cNvPr id="6" name="页脚占位符 5">
             <a:extLst>
               <a:ext uri="{FF2B5EF4-FFF2-40B4-BE49-F238E27FC236}">
-                <a16:creationId xmlns:a16="http://schemas.microsoft.com/office/drawing/2014/main" id="{79A2F527-BCA5-44E2-96DD-6E71B0789680}"/>
+                <a16:creationId xmlns:a16="http://schemas.microsoft.com/office/drawing/2014/main" id="{CA6FCB62-12C0-ECEF-8E94-31AE9E9F4758}"/>
               </a:ext>
             </a:extLst>
           </p:cNvPr>
@@ -2699,7 +2699,7 @@
           <p:cNvPr id="7" name="灯片编号占位符 6">
             <a:extLst>
               <a:ext uri="{FF2B5EF4-FFF2-40B4-BE49-F238E27FC236}">
-                <a16:creationId xmlns:a16="http://schemas.microsoft.com/office/drawing/2014/main" id="{7AE113D1-7272-51BB-1356-FAC278117809}"/>
+                <a16:creationId xmlns:a16="http://schemas.microsoft.com/office/drawing/2014/main" id="{8DB7D605-00B8-4C77-5007-7B1FA9486F0E}"/>
               </a:ext>
             </a:extLst>
           </p:cNvPr>
@@ -2715,7 +2715,7 @@
           <a:bodyPr/>
           <a:lstStyle/>
           <a:p>
-            <a:fld id="{98DFCEAD-162A-4731-8065-D1FA6B49F580}" type="slidenum">
+            <a:fld id="{1E4F61E4-78AB-4DC5-AEF9-C9F25C8A5DDB}" type="slidenum">
               <a:rPr lang="zh-CN" altLang="en-US" smtClean="0"/>
               <a:t>‹#›</a:t>
             </a:fld>
@@ -2726,7 +2726,7 @@
     </p:spTree>
     <p:extLst>
       <p:ext uri="{BB962C8B-B14F-4D97-AF65-F5344CB8AC3E}">
-        <p14:creationId xmlns:p14="http://schemas.microsoft.com/office/powerpoint/2010/main" val="1131435550"/>
+        <p14:creationId xmlns:p14="http://schemas.microsoft.com/office/powerpoint/2010/main" val="1253452218"/>
       </p:ext>
     </p:extLst>
   </p:cSld>
@@ -2763,7 +2763,7 @@
           <p:cNvPr id="2" name="标题占位符 1">
             <a:extLst>
               <a:ext uri="{FF2B5EF4-FFF2-40B4-BE49-F238E27FC236}">
-                <a16:creationId xmlns:a16="http://schemas.microsoft.com/office/drawing/2014/main" id="{5DC9F7D2-EE46-78B0-B34C-365F447B9BD3}"/>
+                <a16:creationId xmlns:a16="http://schemas.microsoft.com/office/drawing/2014/main" id="{AA8CC9F8-7814-11DF-DC21-272043121BF7}"/>
               </a:ext>
             </a:extLst>
           </p:cNvPr>
@@ -2801,7 +2801,7 @@
           <p:cNvPr id="3" name="文本占位符 2">
             <a:extLst>
               <a:ext uri="{FF2B5EF4-FFF2-40B4-BE49-F238E27FC236}">
-                <a16:creationId xmlns:a16="http://schemas.microsoft.com/office/drawing/2014/main" id="{7F6C3295-F26B-9700-8FEB-AA4DF4459D53}"/>
+                <a16:creationId xmlns:a16="http://schemas.microsoft.com/office/drawing/2014/main" id="{AC55BA51-C73D-ACCE-A403-8DF9A0A2D1B2}"/>
               </a:ext>
             </a:extLst>
           </p:cNvPr>
@@ -2868,7 +2868,7 @@
           <p:cNvPr id="4" name="日期占位符 3">
             <a:extLst>
               <a:ext uri="{FF2B5EF4-FFF2-40B4-BE49-F238E27FC236}">
-                <a16:creationId xmlns:a16="http://schemas.microsoft.com/office/drawing/2014/main" id="{54167F2F-BD10-E267-F936-38DBFA32BC2D}"/>
+                <a16:creationId xmlns:a16="http://schemas.microsoft.com/office/drawing/2014/main" id="{82FD5CD0-AD78-AF76-228B-E27C35D6744F}"/>
               </a:ext>
             </a:extLst>
           </p:cNvPr>
@@ -2902,7 +2902,7 @@
             </a:lvl1pPr>
           </a:lstStyle>
           <a:p>
-            <a:fld id="{FDCBF9EE-ED56-40BC-9DCF-8CA047F090FE}" type="datetimeFigureOut">
+            <a:fld id="{CB8D6368-1D44-4E24-8800-CD3F2DD25BA1}" type="datetimeFigureOut">
               <a:rPr lang="zh-CN" altLang="en-US" smtClean="0"/>
               <a:t>2024/3/10</a:t>
             </a:fld>
@@ -2915,7 +2915,7 @@
           <p:cNvPr id="5" name="页脚占位符 4">
             <a:extLst>
               <a:ext uri="{FF2B5EF4-FFF2-40B4-BE49-F238E27FC236}">
-                <a16:creationId xmlns:a16="http://schemas.microsoft.com/office/drawing/2014/main" id="{0978C760-706F-4C9A-4E85-E221B97BE71F}"/>
+                <a16:creationId xmlns:a16="http://schemas.microsoft.com/office/drawing/2014/main" id="{F9065D25-13C0-ECD4-F68C-B3FA71C61580}"/>
               </a:ext>
             </a:extLst>
           </p:cNvPr>
@@ -2958,7 +2958,7 @@
           <p:cNvPr id="6" name="灯片编号占位符 5">
             <a:extLst>
               <a:ext uri="{FF2B5EF4-FFF2-40B4-BE49-F238E27FC236}">
-                <a16:creationId xmlns:a16="http://schemas.microsoft.com/office/drawing/2014/main" id="{C927F513-4DC9-0FDF-5DFC-C43818146B17}"/>
+                <a16:creationId xmlns:a16="http://schemas.microsoft.com/office/drawing/2014/main" id="{FA214400-3AB5-25F7-2B9A-123A711AD398}"/>
               </a:ext>
             </a:extLst>
           </p:cNvPr>
@@ -2992,7 +2992,7 @@
             </a:lvl1pPr>
           </a:lstStyle>
           <a:p>
-            <a:fld id="{98DFCEAD-162A-4731-8065-D1FA6B49F580}" type="slidenum">
+            <a:fld id="{1E4F61E4-78AB-4DC5-AEF9-C9F25C8A5DDB}" type="slidenum">
               <a:rPr lang="zh-CN" altLang="en-US" smtClean="0"/>
               <a:t>‹#›</a:t>
             </a:fld>
@@ -3003,7 +3003,7 @@
     </p:spTree>
     <p:extLst>
       <p:ext uri="{BB962C8B-B14F-4D97-AF65-F5344CB8AC3E}">
-        <p14:creationId xmlns:p14="http://schemas.microsoft.com/office/powerpoint/2010/main" val="3735924149"/>
+        <p14:creationId xmlns:p14="http://schemas.microsoft.com/office/powerpoint/2010/main" val="2839428266"/>
       </p:ext>
     </p:extLst>
   </p:cSld>
@@ -3323,7 +3323,7 @@
       </p:grpSpPr>
       <p:pic>
         <p:nvPicPr>
-          <p:cNvPr id="162818" name="Picture 2" descr="158"/>
+          <p:cNvPr id="163842" name="Picture 2" descr="159"/>
           <p:cNvPicPr>
             <a:picLocks noChangeAspect="1" noChangeArrowheads="1"/>
           </p:cNvPicPr>
@@ -3375,158 +3375,11 @@
           </a:extLst>
         </p:spPr>
       </p:pic>
-      <p:pic>
-        <p:nvPicPr>
-          <p:cNvPr id="163843" name="Picture 3" descr="158-2"/>
-          <p:cNvPicPr>
-            <a:picLocks noChangeAspect="1" noChangeArrowheads="1"/>
-          </p:cNvPicPr>
-          <p:nvPr/>
-        </p:nvPicPr>
-        <p:blipFill>
-          <a:blip r:embed="rId3">
-            <a:extLst>
-              <a:ext uri="{28A0092B-C50C-407E-A947-70E740481C1C}">
-                <a14:useLocalDpi xmlns:a14="http://schemas.microsoft.com/office/drawing/2010/main" val="0"/>
-              </a:ext>
-            </a:extLst>
-          </a:blip>
-          <a:srcRect/>
-          <a:stretch>
-            <a:fillRect/>
-          </a:stretch>
-        </p:blipFill>
-        <p:spPr bwMode="auto">
-          <a:xfrm>
-            <a:off x="1560513" y="0"/>
-            <a:ext cx="9144000" cy="6858000"/>
-          </a:xfrm>
-          <a:prstGeom prst="rect">
-            <a:avLst/>
-          </a:prstGeom>
-          <a:noFill/>
-          <a:ln>
-            <a:noFill/>
-          </a:ln>
-          <a:effectLst/>
-          <a:extLst>
-            <a:ext uri="{909E8E84-426E-40DD-AFC4-6F175D3DCCD1}">
-              <a14:hiddenFill xmlns:a14="http://schemas.microsoft.com/office/drawing/2010/main">
-                <a:solidFill>
-                  <a:srgbClr val="FFFFFF"/>
-                </a:solidFill>
-              </a14:hiddenFill>
-            </a:ext>
-            <a:ext uri="{91240B29-F687-4F45-9708-019B960494DF}">
-              <a14:hiddenLine xmlns:a14="http://schemas.microsoft.com/office/drawing/2010/main" w="9525">
-                <a:solidFill>
-                  <a:srgbClr val="000000"/>
-                </a:solidFill>
-                <a:miter lim="800000"/>
-                <a:headEnd/>
-                <a:tailEnd/>
-              </a14:hiddenLine>
-            </a:ext>
-            <a:ext uri="{AF507438-7753-43E0-B8FC-AC1667EBCBE1}">
-              <a14:hiddenEffects xmlns:a14="http://schemas.microsoft.com/office/drawing/2010/main">
-                <a:effectLst>
-                  <a:outerShdw dist="35921" dir="2700000" algn="ctr" rotWithShape="0">
-                    <a:srgbClr val="808080"/>
-                  </a:outerShdw>
-                </a:effectLst>
-              </a14:hiddenEffects>
-            </a:ext>
-          </a:extLst>
-        </p:spPr>
-      </p:pic>
     </p:spTree>
   </p:cSld>
   <p:clrMapOvr>
     <a:masterClrMapping/>
   </p:clrMapOvr>
-  <p:timing>
-    <p:tnLst>
-      <p:par>
-        <p:cTn id="1" dur="indefinite" restart="never" nodeType="tmRoot">
-          <p:childTnLst>
-            <p:seq concurrent="1" nextAc="seek">
-              <p:cTn id="2" dur="indefinite" nodeType="mainSeq">
-                <p:childTnLst>
-                  <p:par>
-                    <p:cTn id="3" fill="hold" nodeType="clickPar">
-                      <p:stCondLst>
-                        <p:cond delay="indefinite"/>
-                      </p:stCondLst>
-                      <p:childTnLst>
-                        <p:par>
-                          <p:cTn id="4" fill="hold" nodeType="withGroup">
-                            <p:stCondLst>
-                              <p:cond delay="0"/>
-                            </p:stCondLst>
-                            <p:childTnLst>
-                              <p:par>
-                                <p:cTn id="5" presetID="10" presetClass="entr" presetSubtype="0" fill="hold" nodeType="clickEffect">
-                                  <p:stCondLst>
-                                    <p:cond delay="0"/>
-                                  </p:stCondLst>
-                                  <p:childTnLst>
-                                    <p:set>
-                                      <p:cBhvr>
-                                        <p:cTn id="6" dur="1" fill="hold">
-                                          <p:stCondLst>
-                                            <p:cond delay="0"/>
-                                          </p:stCondLst>
-                                        </p:cTn>
-                                        <p:tgtEl>
-                                          <p:spTgt spid="163843"/>
-                                        </p:tgtEl>
-                                        <p:attrNameLst>
-                                          <p:attrName>style.visibility</p:attrName>
-                                        </p:attrNameLst>
-                                      </p:cBhvr>
-                                      <p:to>
-                                        <p:strVal val="visible"/>
-                                      </p:to>
-                                    </p:set>
-                                    <p:animEffect transition="in" filter="fade">
-                                      <p:cBhvr>
-                                        <p:cTn id="7" dur="500"/>
-                                        <p:tgtEl>
-                                          <p:spTgt spid="163843"/>
-                                        </p:tgtEl>
-                                      </p:cBhvr>
-                                    </p:animEffect>
-                                  </p:childTnLst>
-                                </p:cTn>
-                              </p:par>
-                            </p:childTnLst>
-                          </p:cTn>
-                        </p:par>
-                      </p:childTnLst>
-                    </p:cTn>
-                  </p:par>
-                </p:childTnLst>
-              </p:cTn>
-              <p:prevCondLst>
-                <p:cond evt="onPrev" delay="0">
-                  <p:tgtEl>
-                    <p:sldTgt/>
-                  </p:tgtEl>
-                </p:cond>
-              </p:prevCondLst>
-              <p:nextCondLst>
-                <p:cond evt="onNext" delay="0">
-                  <p:tgtEl>
-                    <p:sldTgt/>
-                  </p:tgtEl>
-                </p:cond>
-              </p:nextCondLst>
-            </p:seq>
-          </p:childTnLst>
-        </p:cTn>
-      </p:par>
-    </p:tnLst>
-  </p:timing>
 </p:sld>
 </file>
 
